--- a/OPCUA_설비기계.pptx
+++ b/OPCUA_설비기계.pptx
@@ -6,6 +6,7 @@
   </p:sldMasterIdLst>
   <p:sldIdLst>
     <p:sldId id="256" r:id="rId2"/>
+    <p:sldId id="257" r:id="rId3"/>
   </p:sldIdLst>
   <p:sldSz cx="12192000" cy="6858000"/>
   <p:notesSz cx="6858000" cy="9144000"/>
@@ -104,6 +105,11 @@
       </a:defRPr>
     </a:lvl9pPr>
   </p:defaultTextStyle>
+  <p:extLst>
+    <p:ext uri="{EFAFB233-063F-42B5-8137-9DF3F51BA10A}">
+      <p15:sldGuideLst xmlns:p15="http://schemas.microsoft.com/office/powerpoint/2012/main"/>
+    </p:ext>
+  </p:extLst>
 </p:presentation>
 </file>
 
@@ -254,7 +260,7 @@
           <a:p>
             <a:fld id="{4487DBF2-26C2-48C7-8EB2-3FE79AC608BA}" type="datetimeFigureOut">
               <a:rPr lang="ko-KR" altLang="en-US" smtClean="0"/>
-              <a:t>2025-06-05</a:t>
+              <a:t>2025-06-09</a:t>
             </a:fld>
             <a:endParaRPr lang="ko-KR" altLang="en-US"/>
           </a:p>
@@ -452,7 +458,7 @@
           <a:p>
             <a:fld id="{4487DBF2-26C2-48C7-8EB2-3FE79AC608BA}" type="datetimeFigureOut">
               <a:rPr lang="ko-KR" altLang="en-US" smtClean="0"/>
-              <a:t>2025-06-05</a:t>
+              <a:t>2025-06-09</a:t>
             </a:fld>
             <a:endParaRPr lang="ko-KR" altLang="en-US"/>
           </a:p>
@@ -660,7 +666,7 @@
           <a:p>
             <a:fld id="{4487DBF2-26C2-48C7-8EB2-3FE79AC608BA}" type="datetimeFigureOut">
               <a:rPr lang="ko-KR" altLang="en-US" smtClean="0"/>
-              <a:t>2025-06-05</a:t>
+              <a:t>2025-06-09</a:t>
             </a:fld>
             <a:endParaRPr lang="ko-KR" altLang="en-US"/>
           </a:p>
@@ -858,7 +864,7 @@
           <a:p>
             <a:fld id="{4487DBF2-26C2-48C7-8EB2-3FE79AC608BA}" type="datetimeFigureOut">
               <a:rPr lang="ko-KR" altLang="en-US" smtClean="0"/>
-              <a:t>2025-06-05</a:t>
+              <a:t>2025-06-09</a:t>
             </a:fld>
             <a:endParaRPr lang="ko-KR" altLang="en-US"/>
           </a:p>
@@ -1133,7 +1139,7 @@
           <a:p>
             <a:fld id="{4487DBF2-26C2-48C7-8EB2-3FE79AC608BA}" type="datetimeFigureOut">
               <a:rPr lang="ko-KR" altLang="en-US" smtClean="0"/>
-              <a:t>2025-06-05</a:t>
+              <a:t>2025-06-09</a:t>
             </a:fld>
             <a:endParaRPr lang="ko-KR" altLang="en-US"/>
           </a:p>
@@ -1398,7 +1404,7 @@
           <a:p>
             <a:fld id="{4487DBF2-26C2-48C7-8EB2-3FE79AC608BA}" type="datetimeFigureOut">
               <a:rPr lang="ko-KR" altLang="en-US" smtClean="0"/>
-              <a:t>2025-06-05</a:t>
+              <a:t>2025-06-09</a:t>
             </a:fld>
             <a:endParaRPr lang="ko-KR" altLang="en-US"/>
           </a:p>
@@ -1810,7 +1816,7 @@
           <a:p>
             <a:fld id="{4487DBF2-26C2-48C7-8EB2-3FE79AC608BA}" type="datetimeFigureOut">
               <a:rPr lang="ko-KR" altLang="en-US" smtClean="0"/>
-              <a:t>2025-06-05</a:t>
+              <a:t>2025-06-09</a:t>
             </a:fld>
             <a:endParaRPr lang="ko-KR" altLang="en-US"/>
           </a:p>
@@ -1951,7 +1957,7 @@
           <a:p>
             <a:fld id="{4487DBF2-26C2-48C7-8EB2-3FE79AC608BA}" type="datetimeFigureOut">
               <a:rPr lang="ko-KR" altLang="en-US" smtClean="0"/>
-              <a:t>2025-06-05</a:t>
+              <a:t>2025-06-09</a:t>
             </a:fld>
             <a:endParaRPr lang="ko-KR" altLang="en-US"/>
           </a:p>
@@ -2064,7 +2070,7 @@
           <a:p>
             <a:fld id="{4487DBF2-26C2-48C7-8EB2-3FE79AC608BA}" type="datetimeFigureOut">
               <a:rPr lang="ko-KR" altLang="en-US" smtClean="0"/>
-              <a:t>2025-06-05</a:t>
+              <a:t>2025-06-09</a:t>
             </a:fld>
             <a:endParaRPr lang="ko-KR" altLang="en-US"/>
           </a:p>
@@ -2375,7 +2381,7 @@
           <a:p>
             <a:fld id="{4487DBF2-26C2-48C7-8EB2-3FE79AC608BA}" type="datetimeFigureOut">
               <a:rPr lang="ko-KR" altLang="en-US" smtClean="0"/>
-              <a:t>2025-06-05</a:t>
+              <a:t>2025-06-09</a:t>
             </a:fld>
             <a:endParaRPr lang="ko-KR" altLang="en-US"/>
           </a:p>
@@ -2663,7 +2669,7 @@
           <a:p>
             <a:fld id="{4487DBF2-26C2-48C7-8EB2-3FE79AC608BA}" type="datetimeFigureOut">
               <a:rPr lang="ko-KR" altLang="en-US" smtClean="0"/>
-              <a:t>2025-06-05</a:t>
+              <a:t>2025-06-09</a:t>
             </a:fld>
             <a:endParaRPr lang="ko-KR" altLang="en-US"/>
           </a:p>
@@ -2904,7 +2910,7 @@
           <a:p>
             <a:fld id="{4487DBF2-26C2-48C7-8EB2-3FE79AC608BA}" type="datetimeFigureOut">
               <a:rPr lang="ko-KR" altLang="en-US" smtClean="0"/>
-              <a:t>2025-06-05</a:t>
+              <a:t>2025-06-09</a:t>
             </a:fld>
             <a:endParaRPr lang="ko-KR" altLang="en-US"/>
           </a:p>
@@ -3497,7 +3503,7 @@
         </p:nvSpPr>
         <p:spPr>
           <a:xfrm>
-            <a:off x="4010828" y="2296628"/>
+            <a:off x="4008446" y="2525228"/>
             <a:ext cx="4033284" cy="914400"/>
           </a:xfrm>
           <a:prstGeom prst="rect">
@@ -3565,8 +3571,8 @@
         </p:nvCxnSpPr>
         <p:spPr>
           <a:xfrm rot="16200000" flipH="1">
-            <a:off x="4432585" y="701742"/>
-            <a:ext cx="1020729" cy="2169042"/>
+            <a:off x="4317094" y="817233"/>
+            <a:ext cx="1249329" cy="2166660"/>
           </a:xfrm>
           <a:prstGeom prst="bentConnector3">
             <a:avLst/>
@@ -3608,8 +3614,8 @@
         </p:nvCxnSpPr>
         <p:spPr>
           <a:xfrm rot="5400000">
-            <a:off x="6601627" y="701742"/>
-            <a:ext cx="1020729" cy="2169042"/>
+            <a:off x="6486136" y="814851"/>
+            <a:ext cx="1249329" cy="2171424"/>
           </a:xfrm>
           <a:prstGeom prst="bentConnector3">
             <a:avLst>
@@ -3653,8 +3659,8 @@
         </p:nvCxnSpPr>
         <p:spPr>
           <a:xfrm rot="5400000">
-            <a:off x="5517106" y="1786263"/>
-            <a:ext cx="1020729" cy="12700"/>
+            <a:off x="5401615" y="1899372"/>
+            <a:ext cx="1249329" cy="2382"/>
           </a:xfrm>
           <a:prstGeom prst="bentConnector3">
             <a:avLst/>
@@ -3692,7 +3698,7 @@
         </p:nvSpPr>
         <p:spPr>
           <a:xfrm>
-            <a:off x="4008446" y="4125428"/>
+            <a:off x="4008446" y="4125429"/>
             <a:ext cx="4033284" cy="914400"/>
           </a:xfrm>
           <a:prstGeom prst="rect">
@@ -3845,9 +3851,9 @@
           <p:nvPr/>
         </p:nvCxnSpPr>
         <p:spPr>
-          <a:xfrm flipH="1">
-            <a:off x="6025088" y="3211028"/>
-            <a:ext cx="2382" cy="914400"/>
+          <a:xfrm>
+            <a:off x="6025088" y="3439628"/>
+            <a:ext cx="0" cy="685801"/>
           </a:xfrm>
           <a:prstGeom prst="straightConnector1">
             <a:avLst/>
@@ -3888,8 +3894,8 @@
         </p:nvCxnSpPr>
         <p:spPr>
           <a:xfrm>
-            <a:off x="6025088" y="5039828"/>
-            <a:ext cx="0" cy="457201"/>
+            <a:off x="6025088" y="5039829"/>
+            <a:ext cx="0" cy="457200"/>
           </a:xfrm>
           <a:prstGeom prst="straightConnector1">
             <a:avLst/>
@@ -3995,6 +4001,641 @@
     <p:extLst>
       <p:ext uri="{BB962C8B-B14F-4D97-AF65-F5344CB8AC3E}">
         <p14:creationId xmlns:p14="http://schemas.microsoft.com/office/powerpoint/2010/main" val="128765719"/>
+      </p:ext>
+    </p:extLst>
+  </p:cSld>
+  <p:clrMapOvr>
+    <a:masterClrMapping/>
+  </p:clrMapOvr>
+</p:sld>
+</file>
+
+<file path=ppt/slides/slide2.xml><?xml version="1.0" encoding="utf-8"?>
+<p:sld xmlns:a="http://schemas.openxmlformats.org/drawingml/2006/main" xmlns:r="http://schemas.openxmlformats.org/officeDocument/2006/relationships" xmlns:p="http://schemas.openxmlformats.org/presentationml/2006/main">
+  <p:cSld>
+    <p:spTree>
+      <p:nvGrpSpPr>
+        <p:cNvPr id="1" name=""/>
+        <p:cNvGrpSpPr/>
+        <p:nvPr/>
+      </p:nvGrpSpPr>
+      <p:grpSpPr>
+        <a:xfrm>
+          <a:off x="0" y="0"/>
+          <a:ext cx="0" cy="0"/>
+          <a:chOff x="0" y="0"/>
+          <a:chExt cx="0" cy="0"/>
+        </a:xfrm>
+      </p:grpSpPr>
+      <p:sp>
+        <p:nvSpPr>
+          <p:cNvPr id="5" name="직사각형 4">
+            <a:extLst>
+              <a:ext uri="{FF2B5EF4-FFF2-40B4-BE49-F238E27FC236}">
+                <a16:creationId xmlns:a16="http://schemas.microsoft.com/office/drawing/2014/main" id="{4435BF38-C26E-1D0E-5671-145F7AB9A49F}"/>
+              </a:ext>
+            </a:extLst>
+          </p:cNvPr>
+          <p:cNvSpPr/>
+          <p:nvPr/>
+        </p:nvSpPr>
+        <p:spPr>
+          <a:xfrm>
+            <a:off x="568233" y="2344782"/>
+            <a:ext cx="2312126" cy="1169126"/>
+          </a:xfrm>
+          <a:prstGeom prst="rect">
+            <a:avLst/>
+          </a:prstGeom>
+        </p:spPr>
+        <p:style>
+          <a:lnRef idx="2">
+            <a:schemeClr val="accent1">
+              <a:shade val="15000"/>
+            </a:schemeClr>
+          </a:lnRef>
+          <a:fillRef idx="1">
+            <a:schemeClr val="accent1"/>
+          </a:fillRef>
+          <a:effectRef idx="0">
+            <a:schemeClr val="accent1"/>
+          </a:effectRef>
+          <a:fontRef idx="minor">
+            <a:schemeClr val="lt1"/>
+          </a:fontRef>
+        </p:style>
+        <p:txBody>
+          <a:bodyPr rtlCol="0" anchor="ctr"/>
+          <a:lstStyle/>
+          <a:p>
+            <a:pPr algn="ctr"/>
+            <a:r>
+              <a:rPr lang="en-US" altLang="ko-KR" dirty="0"/>
+              <a:t>OPCUA </a:t>
+            </a:r>
+            <a:r>
+              <a:rPr lang="ko-KR" altLang="en-US" dirty="0"/>
+              <a:t>서버</a:t>
+            </a:r>
+            <a:endParaRPr lang="en-US" altLang="ko-KR" dirty="0"/>
+          </a:p>
+          <a:p>
+            <a:pPr algn="ctr"/>
+            <a:r>
+              <a:rPr lang="ko-KR" altLang="en-US" sz="1200" dirty="0"/>
+              <a:t>가상 장비 역할</a:t>
+            </a:r>
+            <a:endParaRPr lang="en-US" altLang="ko-KR" sz="1200" dirty="0"/>
+          </a:p>
+          <a:p>
+            <a:pPr algn="ctr"/>
+            <a:r>
+              <a:rPr lang="en-US" altLang="ko-KR" sz="1200" dirty="0"/>
+              <a:t>(</a:t>
+            </a:r>
+            <a:r>
+              <a:rPr lang="ko-KR" altLang="en-US" sz="1200" dirty="0"/>
+              <a:t>포트</a:t>
+            </a:r>
+            <a:r>
+              <a:rPr lang="en-US" altLang="ko-KR" sz="1200" dirty="0"/>
+              <a:t> 4334)</a:t>
+            </a:r>
+          </a:p>
+          <a:p>
+            <a:pPr algn="ctr"/>
+            <a:r>
+              <a:rPr lang="en-US" altLang="ko-KR" sz="1200" dirty="0"/>
+              <a:t>s</a:t>
+            </a:r>
+            <a:r>
+              <a:rPr lang="en-US" altLang="ko-KR" sz="1200"/>
+              <a:t>ample</a:t>
+            </a:r>
+            <a:r>
+              <a:rPr lang="en-US" altLang="ko-KR" sz="1200" dirty="0"/>
+              <a:t>_server.js</a:t>
+            </a:r>
+            <a:endParaRPr lang="ko-KR" altLang="en-US" sz="1200" dirty="0"/>
+          </a:p>
+        </p:txBody>
+      </p:sp>
+      <p:sp>
+        <p:nvSpPr>
+          <p:cNvPr id="7" name="직사각형 6">
+            <a:extLst>
+              <a:ext uri="{FF2B5EF4-FFF2-40B4-BE49-F238E27FC236}">
+                <a16:creationId xmlns:a16="http://schemas.microsoft.com/office/drawing/2014/main" id="{B12E53ED-3653-5C66-202E-464F5AF87C47}"/>
+              </a:ext>
+            </a:extLst>
+          </p:cNvPr>
+          <p:cNvSpPr/>
+          <p:nvPr/>
+        </p:nvSpPr>
+        <p:spPr>
+          <a:xfrm>
+            <a:off x="9490165" y="2331720"/>
+            <a:ext cx="2312126" cy="1169126"/>
+          </a:xfrm>
+          <a:prstGeom prst="rect">
+            <a:avLst/>
+          </a:prstGeom>
+        </p:spPr>
+        <p:style>
+          <a:lnRef idx="2">
+            <a:schemeClr val="accent1">
+              <a:shade val="15000"/>
+            </a:schemeClr>
+          </a:lnRef>
+          <a:fillRef idx="1">
+            <a:schemeClr val="accent1"/>
+          </a:fillRef>
+          <a:effectRef idx="0">
+            <a:schemeClr val="accent1"/>
+          </a:effectRef>
+          <a:fontRef idx="minor">
+            <a:schemeClr val="lt1"/>
+          </a:fontRef>
+        </p:style>
+        <p:txBody>
+          <a:bodyPr rtlCol="0" anchor="ctr"/>
+          <a:lstStyle/>
+          <a:p>
+            <a:pPr algn="ctr"/>
+            <a:r>
+              <a:rPr lang="ko-KR" altLang="en-US" dirty="0"/>
+              <a:t>웹 브라우저</a:t>
+            </a:r>
+            <a:endParaRPr lang="en-US" altLang="ko-KR" dirty="0"/>
+          </a:p>
+          <a:p>
+            <a:pPr algn="ctr"/>
+            <a:r>
+              <a:rPr lang="ko-KR" altLang="en-US" sz="1200" dirty="0"/>
+              <a:t>사용자가 바라보는 화면</a:t>
+            </a:r>
+            <a:endParaRPr lang="en-US" altLang="ko-KR" sz="1200" dirty="0"/>
+          </a:p>
+          <a:p>
+            <a:pPr algn="ctr"/>
+            <a:r>
+              <a:rPr lang="en-US" altLang="ko-KR" sz="1200" dirty="0"/>
+              <a:t>Index.html</a:t>
+            </a:r>
+            <a:endParaRPr lang="ko-KR" altLang="en-US" sz="1200" dirty="0"/>
+          </a:p>
+        </p:txBody>
+      </p:sp>
+      <p:sp>
+        <p:nvSpPr>
+          <p:cNvPr id="8" name="직사각형 7">
+            <a:extLst>
+              <a:ext uri="{FF2B5EF4-FFF2-40B4-BE49-F238E27FC236}">
+                <a16:creationId xmlns:a16="http://schemas.microsoft.com/office/drawing/2014/main" id="{2588353F-1E2F-A01A-E026-7302D1BF9617}"/>
+              </a:ext>
+            </a:extLst>
+          </p:cNvPr>
+          <p:cNvSpPr/>
+          <p:nvPr/>
+        </p:nvSpPr>
+        <p:spPr>
+          <a:xfrm>
+            <a:off x="5029199" y="2338251"/>
+            <a:ext cx="2312126" cy="1169126"/>
+          </a:xfrm>
+          <a:prstGeom prst="rect">
+            <a:avLst/>
+          </a:prstGeom>
+        </p:spPr>
+        <p:style>
+          <a:lnRef idx="2">
+            <a:schemeClr val="accent1">
+              <a:shade val="15000"/>
+            </a:schemeClr>
+          </a:lnRef>
+          <a:fillRef idx="1">
+            <a:schemeClr val="accent1"/>
+          </a:fillRef>
+          <a:effectRef idx="0">
+            <a:schemeClr val="accent1"/>
+          </a:effectRef>
+          <a:fontRef idx="minor">
+            <a:schemeClr val="lt1"/>
+          </a:fontRef>
+        </p:style>
+        <p:txBody>
+          <a:bodyPr rtlCol="0" anchor="ctr"/>
+          <a:lstStyle/>
+          <a:p>
+            <a:pPr algn="ctr"/>
+            <a:r>
+              <a:rPr lang="ko-KR" altLang="en-US" dirty="0"/>
+              <a:t>웹 서버</a:t>
+            </a:r>
+            <a:endParaRPr lang="en-US" altLang="ko-KR" dirty="0"/>
+          </a:p>
+          <a:p>
+            <a:pPr algn="ctr"/>
+            <a:r>
+              <a:rPr lang="ko-KR" altLang="en-US" sz="1200" dirty="0"/>
+              <a:t>사용자 인터페이스</a:t>
+            </a:r>
+            <a:endParaRPr lang="en-US" altLang="ko-KR" sz="1200" dirty="0"/>
+          </a:p>
+          <a:p>
+            <a:pPr algn="ctr"/>
+            <a:r>
+              <a:rPr lang="en-US" altLang="ko-KR" sz="1200" dirty="0"/>
+              <a:t>(</a:t>
+            </a:r>
+            <a:r>
+              <a:rPr lang="ko-KR" altLang="en-US" sz="1200" dirty="0"/>
+              <a:t>포트 </a:t>
+            </a:r>
+            <a:r>
+              <a:rPr lang="en-US" altLang="ko-KR" sz="1200" dirty="0"/>
+              <a:t>3000)</a:t>
+            </a:r>
+          </a:p>
+          <a:p>
+            <a:pPr algn="ctr"/>
+            <a:r>
+              <a:rPr lang="en-US" altLang="ko-KR" sz="1200" dirty="0"/>
+              <a:t>server.js</a:t>
+            </a:r>
+            <a:endParaRPr lang="ko-KR" altLang="en-US" sz="1200" dirty="0"/>
+          </a:p>
+        </p:txBody>
+      </p:sp>
+      <p:cxnSp>
+        <p:nvCxnSpPr>
+          <p:cNvPr id="17" name="연결선: 꺾임 16">
+            <a:extLst>
+              <a:ext uri="{FF2B5EF4-FFF2-40B4-BE49-F238E27FC236}">
+                <a16:creationId xmlns:a16="http://schemas.microsoft.com/office/drawing/2014/main" id="{CA06FB7C-318C-B0AB-1996-C38D67298EFE}"/>
+              </a:ext>
+            </a:extLst>
+          </p:cNvPr>
+          <p:cNvCxnSpPr>
+            <a:cxnSpLocks/>
+            <a:stCxn id="8" idx="2"/>
+            <a:endCxn id="5" idx="2"/>
+          </p:cNvCxnSpPr>
+          <p:nvPr/>
+        </p:nvCxnSpPr>
+        <p:spPr>
+          <a:xfrm rot="5400000">
+            <a:off x="3951514" y="1280159"/>
+            <a:ext cx="6531" cy="4460966"/>
+          </a:xfrm>
+          <a:prstGeom prst="bentConnector3">
+            <a:avLst>
+              <a:gd name="adj1" fmla="val 3600230"/>
+            </a:avLst>
+          </a:prstGeom>
+          <a:ln>
+            <a:tailEnd type="triangle"/>
+          </a:ln>
+        </p:spPr>
+        <p:style>
+          <a:lnRef idx="2">
+            <a:schemeClr val="accent1"/>
+          </a:lnRef>
+          <a:fillRef idx="0">
+            <a:schemeClr val="accent1"/>
+          </a:fillRef>
+          <a:effectRef idx="1">
+            <a:schemeClr val="accent1"/>
+          </a:effectRef>
+          <a:fontRef idx="minor">
+            <a:schemeClr val="tx1"/>
+          </a:fontRef>
+        </p:style>
+      </p:cxnSp>
+      <p:cxnSp>
+        <p:nvCxnSpPr>
+          <p:cNvPr id="30" name="연결선: 꺾임 29">
+            <a:extLst>
+              <a:ext uri="{FF2B5EF4-FFF2-40B4-BE49-F238E27FC236}">
+                <a16:creationId xmlns:a16="http://schemas.microsoft.com/office/drawing/2014/main" id="{5044F0B8-EE80-9692-8EC9-688FFEB4CDCC}"/>
+              </a:ext>
+            </a:extLst>
+          </p:cNvPr>
+          <p:cNvCxnSpPr>
+            <a:cxnSpLocks/>
+            <a:stCxn id="7" idx="0"/>
+            <a:endCxn id="8" idx="0"/>
+          </p:cNvCxnSpPr>
+          <p:nvPr/>
+        </p:nvCxnSpPr>
+        <p:spPr>
+          <a:xfrm rot="16200000" flipH="1" flipV="1">
+            <a:off x="8412479" y="104502"/>
+            <a:ext cx="6531" cy="4460966"/>
+          </a:xfrm>
+          <a:prstGeom prst="bentConnector3">
+            <a:avLst>
+              <a:gd name="adj1" fmla="val -3500230"/>
+            </a:avLst>
+          </a:prstGeom>
+          <a:ln>
+            <a:tailEnd type="triangle"/>
+          </a:ln>
+        </p:spPr>
+        <p:style>
+          <a:lnRef idx="2">
+            <a:schemeClr val="accent1"/>
+          </a:lnRef>
+          <a:fillRef idx="0">
+            <a:schemeClr val="accent1"/>
+          </a:fillRef>
+          <a:effectRef idx="1">
+            <a:schemeClr val="accent1"/>
+          </a:effectRef>
+          <a:fontRef idx="minor">
+            <a:schemeClr val="tx1"/>
+          </a:fontRef>
+        </p:style>
+      </p:cxnSp>
+      <p:cxnSp>
+        <p:nvCxnSpPr>
+          <p:cNvPr id="34" name="직선 화살표 연결선 33">
+            <a:extLst>
+              <a:ext uri="{FF2B5EF4-FFF2-40B4-BE49-F238E27FC236}">
+                <a16:creationId xmlns:a16="http://schemas.microsoft.com/office/drawing/2014/main" id="{D7A057A6-2CC9-4D70-7BA6-99FD5EF852C3}"/>
+              </a:ext>
+            </a:extLst>
+          </p:cNvPr>
+          <p:cNvCxnSpPr>
+            <a:stCxn id="5" idx="3"/>
+            <a:endCxn id="8" idx="1"/>
+          </p:cNvCxnSpPr>
+          <p:nvPr/>
+        </p:nvCxnSpPr>
+        <p:spPr>
+          <a:xfrm flipV="1">
+            <a:off x="2880359" y="2922814"/>
+            <a:ext cx="2148840" cy="6531"/>
+          </a:xfrm>
+          <a:prstGeom prst="straightConnector1">
+            <a:avLst/>
+          </a:prstGeom>
+          <a:ln>
+            <a:tailEnd type="triangle"/>
+          </a:ln>
+        </p:spPr>
+        <p:style>
+          <a:lnRef idx="2">
+            <a:schemeClr val="accent1"/>
+          </a:lnRef>
+          <a:fillRef idx="0">
+            <a:schemeClr val="accent1"/>
+          </a:fillRef>
+          <a:effectRef idx="1">
+            <a:schemeClr val="accent1"/>
+          </a:effectRef>
+          <a:fontRef idx="minor">
+            <a:schemeClr val="tx1"/>
+          </a:fontRef>
+        </p:style>
+      </p:cxnSp>
+      <p:cxnSp>
+        <p:nvCxnSpPr>
+          <p:cNvPr id="35" name="직선 화살표 연결선 34">
+            <a:extLst>
+              <a:ext uri="{FF2B5EF4-FFF2-40B4-BE49-F238E27FC236}">
+                <a16:creationId xmlns:a16="http://schemas.microsoft.com/office/drawing/2014/main" id="{752D70DB-0AE1-1A6F-DC61-25A5A24F6C38}"/>
+              </a:ext>
+            </a:extLst>
+          </p:cNvPr>
+          <p:cNvCxnSpPr>
+            <a:cxnSpLocks/>
+            <a:stCxn id="8" idx="3"/>
+            <a:endCxn id="7" idx="1"/>
+          </p:cNvCxnSpPr>
+          <p:nvPr/>
+        </p:nvCxnSpPr>
+        <p:spPr>
+          <a:xfrm flipV="1">
+            <a:off x="7341325" y="2916283"/>
+            <a:ext cx="2148840" cy="6531"/>
+          </a:xfrm>
+          <a:prstGeom prst="straightConnector1">
+            <a:avLst/>
+          </a:prstGeom>
+          <a:ln>
+            <a:tailEnd type="triangle"/>
+          </a:ln>
+        </p:spPr>
+        <p:style>
+          <a:lnRef idx="2">
+            <a:schemeClr val="accent1"/>
+          </a:lnRef>
+          <a:fillRef idx="0">
+            <a:schemeClr val="accent1"/>
+          </a:fillRef>
+          <a:effectRef idx="1">
+            <a:schemeClr val="accent1"/>
+          </a:effectRef>
+          <a:fontRef idx="minor">
+            <a:schemeClr val="tx1"/>
+          </a:fontRef>
+        </p:style>
+      </p:cxnSp>
+      <p:sp>
+        <p:nvSpPr>
+          <p:cNvPr id="38" name="TextBox 37">
+            <a:extLst>
+              <a:ext uri="{FF2B5EF4-FFF2-40B4-BE49-F238E27FC236}">
+                <a16:creationId xmlns:a16="http://schemas.microsoft.com/office/drawing/2014/main" id="{D2D5DF25-3C78-B397-C032-08082E018373}"/>
+              </a:ext>
+            </a:extLst>
+          </p:cNvPr>
+          <p:cNvSpPr txBox="1"/>
+          <p:nvPr/>
+        </p:nvSpPr>
+        <p:spPr>
+          <a:xfrm>
+            <a:off x="3174274" y="2344782"/>
+            <a:ext cx="1678577" cy="523220"/>
+          </a:xfrm>
+          <a:prstGeom prst="rect">
+            <a:avLst/>
+          </a:prstGeom>
+          <a:noFill/>
+        </p:spPr>
+        <p:txBody>
+          <a:bodyPr wrap="square" rtlCol="0">
+            <a:spAutoFit/>
+          </a:bodyPr>
+          <a:lstStyle/>
+          <a:p>
+            <a:r>
+              <a:rPr lang="ko-KR" altLang="en-US" sz="1400" dirty="0"/>
+              <a:t>데이터 요청</a:t>
+            </a:r>
+            <a:r>
+              <a:rPr lang="en-US" altLang="ko-KR" sz="1400" dirty="0"/>
+              <a:t>/</a:t>
+            </a:r>
+            <a:r>
+              <a:rPr lang="ko-KR" altLang="en-US" sz="1400" dirty="0"/>
+              <a:t>응답</a:t>
+            </a:r>
+            <a:endParaRPr lang="en-US" altLang="ko-KR" sz="1400" dirty="0"/>
+          </a:p>
+          <a:p>
+            <a:r>
+              <a:rPr lang="en-US" altLang="ko-KR" sz="1400" dirty="0"/>
+              <a:t>OPC UA </a:t>
+            </a:r>
+            <a:r>
+              <a:rPr lang="ko-KR" altLang="en-US" sz="1400" dirty="0"/>
+              <a:t>프로토콜</a:t>
+            </a:r>
+          </a:p>
+        </p:txBody>
+      </p:sp>
+      <p:sp>
+        <p:nvSpPr>
+          <p:cNvPr id="39" name="TextBox 38">
+            <a:extLst>
+              <a:ext uri="{FF2B5EF4-FFF2-40B4-BE49-F238E27FC236}">
+                <a16:creationId xmlns:a16="http://schemas.microsoft.com/office/drawing/2014/main" id="{DA283261-C644-FA17-43CC-37ED03B1DCED}"/>
+              </a:ext>
+            </a:extLst>
+          </p:cNvPr>
+          <p:cNvSpPr txBox="1"/>
+          <p:nvPr/>
+        </p:nvSpPr>
+        <p:spPr>
+          <a:xfrm>
+            <a:off x="3174274" y="3830329"/>
+            <a:ext cx="1678577" cy="523220"/>
+          </a:xfrm>
+          <a:prstGeom prst="rect">
+            <a:avLst/>
+          </a:prstGeom>
+          <a:noFill/>
+        </p:spPr>
+        <p:txBody>
+          <a:bodyPr wrap="square" rtlCol="0">
+            <a:spAutoFit/>
+          </a:bodyPr>
+          <a:lstStyle/>
+          <a:p>
+            <a:r>
+              <a:rPr lang="ko-KR" altLang="en-US" sz="1400" dirty="0"/>
+              <a:t>값 변경 명령</a:t>
+            </a:r>
+            <a:endParaRPr lang="en-US" altLang="ko-KR" sz="1400" dirty="0"/>
+          </a:p>
+          <a:p>
+            <a:r>
+              <a:rPr lang="en-US" altLang="ko-KR" sz="1400" dirty="0"/>
+              <a:t>OPC UA </a:t>
+            </a:r>
+            <a:r>
+              <a:rPr lang="ko-KR" altLang="en-US" sz="1400" dirty="0"/>
+              <a:t>프로토콜</a:t>
+            </a:r>
+          </a:p>
+        </p:txBody>
+      </p:sp>
+      <p:sp>
+        <p:nvSpPr>
+          <p:cNvPr id="40" name="TextBox 39">
+            <a:extLst>
+              <a:ext uri="{FF2B5EF4-FFF2-40B4-BE49-F238E27FC236}">
+                <a16:creationId xmlns:a16="http://schemas.microsoft.com/office/drawing/2014/main" id="{DDD22EEC-7A99-03FB-9FCA-A20D6FFDA24C}"/>
+              </a:ext>
+            </a:extLst>
+          </p:cNvPr>
+          <p:cNvSpPr txBox="1"/>
+          <p:nvPr/>
+        </p:nvSpPr>
+        <p:spPr>
+          <a:xfrm>
+            <a:off x="7576456" y="3066152"/>
+            <a:ext cx="1678577" cy="523220"/>
+          </a:xfrm>
+          <a:prstGeom prst="rect">
+            <a:avLst/>
+          </a:prstGeom>
+          <a:noFill/>
+        </p:spPr>
+        <p:txBody>
+          <a:bodyPr wrap="square" rtlCol="0">
+            <a:spAutoFit/>
+          </a:bodyPr>
+          <a:lstStyle/>
+          <a:p>
+            <a:r>
+              <a:rPr lang="en-US" altLang="ko-KR" sz="1400" dirty="0"/>
+              <a:t>HTTP </a:t>
+            </a:r>
+            <a:r>
+              <a:rPr lang="ko-KR" altLang="en-US" sz="1400" dirty="0"/>
+              <a:t>통신</a:t>
+            </a:r>
+            <a:endParaRPr lang="en-US" altLang="ko-KR" sz="1400" dirty="0"/>
+          </a:p>
+          <a:p>
+            <a:r>
+              <a:rPr lang="ko-KR" altLang="en-US" sz="1400" dirty="0"/>
+              <a:t>웹 페이지 전송</a:t>
+            </a:r>
+          </a:p>
+        </p:txBody>
+      </p:sp>
+      <p:sp>
+        <p:nvSpPr>
+          <p:cNvPr id="41" name="TextBox 40">
+            <a:extLst>
+              <a:ext uri="{FF2B5EF4-FFF2-40B4-BE49-F238E27FC236}">
+                <a16:creationId xmlns:a16="http://schemas.microsoft.com/office/drawing/2014/main" id="{EC644769-8385-BB39-3B56-55824F0EBC4E}"/>
+              </a:ext>
+            </a:extLst>
+          </p:cNvPr>
+          <p:cNvSpPr txBox="1"/>
+          <p:nvPr/>
+        </p:nvSpPr>
+        <p:spPr>
+          <a:xfrm>
+            <a:off x="7576456" y="1403198"/>
+            <a:ext cx="1678577" cy="523220"/>
+          </a:xfrm>
+          <a:prstGeom prst="rect">
+            <a:avLst/>
+          </a:prstGeom>
+          <a:noFill/>
+        </p:spPr>
+        <p:txBody>
+          <a:bodyPr wrap="square" rtlCol="0">
+            <a:spAutoFit/>
+          </a:bodyPr>
+          <a:lstStyle/>
+          <a:p>
+            <a:pPr algn="ctr"/>
+            <a:r>
+              <a:rPr lang="ko-KR" altLang="en-US" sz="1400" dirty="0"/>
+              <a:t>사용자 입력</a:t>
+            </a:r>
+            <a:endParaRPr lang="en-US" altLang="ko-KR" sz="1400" dirty="0"/>
+          </a:p>
+          <a:p>
+            <a:pPr algn="ctr"/>
+            <a:r>
+              <a:rPr lang="ko-KR" altLang="en-US" sz="1400" dirty="0"/>
+              <a:t>변수 값 변경</a:t>
+            </a:r>
+          </a:p>
+        </p:txBody>
+      </p:sp>
+    </p:spTree>
+    <p:extLst>
+      <p:ext uri="{BB962C8B-B14F-4D97-AF65-F5344CB8AC3E}">
+        <p14:creationId xmlns:p14="http://schemas.microsoft.com/office/powerpoint/2010/main" val="1607138232"/>
       </p:ext>
     </p:extLst>
   </p:cSld>
